--- a/boards/openmv-cam/v5/cam-v5-pinout.pptx
+++ b/boards/openmv-cam/v5/cam-v5-pinout.pptx
@@ -243,7 +243,7 @@
           <a:p>
             <a:fld id="{5169B0FF-CDA1-4BA2-882E-918BF983E683}" type="datetimeFigureOut">
               <a:rPr lang="en-US" smtClean="0"/>
-              <a:t>11/30/2019</a:t>
+              <a:t>6/7/2020</a:t>
             </a:fld>
             <a:endParaRPr lang="en-US"/>
           </a:p>
@@ -413,7 +413,7 @@
           <a:p>
             <a:fld id="{5169B0FF-CDA1-4BA2-882E-918BF983E683}" type="datetimeFigureOut">
               <a:rPr lang="en-US" smtClean="0"/>
-              <a:t>11/30/2019</a:t>
+              <a:t>6/7/2020</a:t>
             </a:fld>
             <a:endParaRPr lang="en-US"/>
           </a:p>
@@ -593,7 +593,7 @@
           <a:p>
             <a:fld id="{5169B0FF-CDA1-4BA2-882E-918BF983E683}" type="datetimeFigureOut">
               <a:rPr lang="en-US" smtClean="0"/>
-              <a:t>11/30/2019</a:t>
+              <a:t>6/7/2020</a:t>
             </a:fld>
             <a:endParaRPr lang="en-US"/>
           </a:p>
@@ -763,7 +763,7 @@
           <a:p>
             <a:fld id="{5169B0FF-CDA1-4BA2-882E-918BF983E683}" type="datetimeFigureOut">
               <a:rPr lang="en-US" smtClean="0"/>
-              <a:t>11/30/2019</a:t>
+              <a:t>6/7/2020</a:t>
             </a:fld>
             <a:endParaRPr lang="en-US"/>
           </a:p>
@@ -1009,7 +1009,7 @@
           <a:p>
             <a:fld id="{5169B0FF-CDA1-4BA2-882E-918BF983E683}" type="datetimeFigureOut">
               <a:rPr lang="en-US" smtClean="0"/>
-              <a:t>11/30/2019</a:t>
+              <a:t>6/7/2020</a:t>
             </a:fld>
             <a:endParaRPr lang="en-US"/>
           </a:p>
@@ -1241,7 +1241,7 @@
           <a:p>
             <a:fld id="{5169B0FF-CDA1-4BA2-882E-918BF983E683}" type="datetimeFigureOut">
               <a:rPr lang="en-US" smtClean="0"/>
-              <a:t>11/30/2019</a:t>
+              <a:t>6/7/2020</a:t>
             </a:fld>
             <a:endParaRPr lang="en-US"/>
           </a:p>
@@ -1608,7 +1608,7 @@
           <a:p>
             <a:fld id="{5169B0FF-CDA1-4BA2-882E-918BF983E683}" type="datetimeFigureOut">
               <a:rPr lang="en-US" smtClean="0"/>
-              <a:t>11/30/2019</a:t>
+              <a:t>6/7/2020</a:t>
             </a:fld>
             <a:endParaRPr lang="en-US"/>
           </a:p>
@@ -1726,7 +1726,7 @@
           <a:p>
             <a:fld id="{5169B0FF-CDA1-4BA2-882E-918BF983E683}" type="datetimeFigureOut">
               <a:rPr lang="en-US" smtClean="0"/>
-              <a:t>11/30/2019</a:t>
+              <a:t>6/7/2020</a:t>
             </a:fld>
             <a:endParaRPr lang="en-US"/>
           </a:p>
@@ -1821,7 +1821,7 @@
           <a:p>
             <a:fld id="{5169B0FF-CDA1-4BA2-882E-918BF983E683}" type="datetimeFigureOut">
               <a:rPr lang="en-US" smtClean="0"/>
-              <a:t>11/30/2019</a:t>
+              <a:t>6/7/2020</a:t>
             </a:fld>
             <a:endParaRPr lang="en-US"/>
           </a:p>
@@ -2098,7 +2098,7 @@
           <a:p>
             <a:fld id="{5169B0FF-CDA1-4BA2-882E-918BF983E683}" type="datetimeFigureOut">
               <a:rPr lang="en-US" smtClean="0"/>
-              <a:t>11/30/2019</a:t>
+              <a:t>6/7/2020</a:t>
             </a:fld>
             <a:endParaRPr lang="en-US"/>
           </a:p>
@@ -2355,7 +2355,7 @@
           <a:p>
             <a:fld id="{5169B0FF-CDA1-4BA2-882E-918BF983E683}" type="datetimeFigureOut">
               <a:rPr lang="en-US" smtClean="0"/>
-              <a:t>11/30/2019</a:t>
+              <a:t>6/7/2020</a:t>
             </a:fld>
             <a:endParaRPr lang="en-US"/>
           </a:p>
@@ -2568,7 +2568,7 @@
           <a:p>
             <a:fld id="{5169B0FF-CDA1-4BA2-882E-918BF983E683}" type="datetimeFigureOut">
               <a:rPr lang="en-US" smtClean="0"/>
-              <a:t>11/30/2019</a:t>
+              <a:t>6/7/2020</a:t>
             </a:fld>
             <a:endParaRPr lang="en-US"/>
           </a:p>
@@ -5188,8 +5188,8 @@
               </p:nvSpPr>
               <p:spPr>
                 <a:xfrm>
-                  <a:off x="8778240" y="2476464"/>
-                  <a:ext cx="1319785" cy="646331"/>
+                  <a:off x="8778238" y="2356421"/>
+                  <a:ext cx="1319785" cy="830997"/>
                 </a:xfrm>
                 <a:prstGeom prst="rect">
                   <a:avLst/>
@@ -5233,6 +5233,13 @@
                   <a:r>
                     <a:rPr lang="en-US" sz="1200" dirty="0"/>
                     <a:t>SDHC &lt; 32GB Max</a:t>
+                  </a:r>
+                </a:p>
+                <a:p>
+                  <a:pPr algn="ctr"/>
+                  <a:r>
+                    <a:rPr lang="en-US" sz="1200" dirty="0"/>
+                    <a:t>SDXC &lt; 2TB Max</a:t>
                   </a:r>
                 </a:p>
               </p:txBody>

--- a/boards/openmv-cam/v5/cam-v5-pinout.pptx
+++ b/boards/openmv-cam/v5/cam-v5-pinout.pptx
@@ -243,7 +243,7 @@
           <a:p>
             <a:fld id="{5169B0FF-CDA1-4BA2-882E-918BF983E683}" type="datetimeFigureOut">
               <a:rPr lang="en-US" smtClean="0"/>
-              <a:t>11/6/2023</a:t>
+              <a:t>1/22/2024</a:t>
             </a:fld>
             <a:endParaRPr lang="en-US"/>
           </a:p>
@@ -413,7 +413,7 @@
           <a:p>
             <a:fld id="{5169B0FF-CDA1-4BA2-882E-918BF983E683}" type="datetimeFigureOut">
               <a:rPr lang="en-US" smtClean="0"/>
-              <a:t>11/6/2023</a:t>
+              <a:t>1/22/2024</a:t>
             </a:fld>
             <a:endParaRPr lang="en-US"/>
           </a:p>
@@ -593,7 +593,7 @@
           <a:p>
             <a:fld id="{5169B0FF-CDA1-4BA2-882E-918BF983E683}" type="datetimeFigureOut">
               <a:rPr lang="en-US" smtClean="0"/>
-              <a:t>11/6/2023</a:t>
+              <a:t>1/22/2024</a:t>
             </a:fld>
             <a:endParaRPr lang="en-US"/>
           </a:p>
@@ -763,7 +763,7 @@
           <a:p>
             <a:fld id="{5169B0FF-CDA1-4BA2-882E-918BF983E683}" type="datetimeFigureOut">
               <a:rPr lang="en-US" smtClean="0"/>
-              <a:t>11/6/2023</a:t>
+              <a:t>1/22/2024</a:t>
             </a:fld>
             <a:endParaRPr lang="en-US"/>
           </a:p>
@@ -1009,7 +1009,7 @@
           <a:p>
             <a:fld id="{5169B0FF-CDA1-4BA2-882E-918BF983E683}" type="datetimeFigureOut">
               <a:rPr lang="en-US" smtClean="0"/>
-              <a:t>11/6/2023</a:t>
+              <a:t>1/22/2024</a:t>
             </a:fld>
             <a:endParaRPr lang="en-US"/>
           </a:p>
@@ -1241,7 +1241,7 @@
           <a:p>
             <a:fld id="{5169B0FF-CDA1-4BA2-882E-918BF983E683}" type="datetimeFigureOut">
               <a:rPr lang="en-US" smtClean="0"/>
-              <a:t>11/6/2023</a:t>
+              <a:t>1/22/2024</a:t>
             </a:fld>
             <a:endParaRPr lang="en-US"/>
           </a:p>
@@ -1608,7 +1608,7 @@
           <a:p>
             <a:fld id="{5169B0FF-CDA1-4BA2-882E-918BF983E683}" type="datetimeFigureOut">
               <a:rPr lang="en-US" smtClean="0"/>
-              <a:t>11/6/2023</a:t>
+              <a:t>1/22/2024</a:t>
             </a:fld>
             <a:endParaRPr lang="en-US"/>
           </a:p>
@@ -1726,7 +1726,7 @@
           <a:p>
             <a:fld id="{5169B0FF-CDA1-4BA2-882E-918BF983E683}" type="datetimeFigureOut">
               <a:rPr lang="en-US" smtClean="0"/>
-              <a:t>11/6/2023</a:t>
+              <a:t>1/22/2024</a:t>
             </a:fld>
             <a:endParaRPr lang="en-US"/>
           </a:p>
@@ -1821,7 +1821,7 @@
           <a:p>
             <a:fld id="{5169B0FF-CDA1-4BA2-882E-918BF983E683}" type="datetimeFigureOut">
               <a:rPr lang="en-US" smtClean="0"/>
-              <a:t>11/6/2023</a:t>
+              <a:t>1/22/2024</a:t>
             </a:fld>
             <a:endParaRPr lang="en-US"/>
           </a:p>
@@ -2098,7 +2098,7 @@
           <a:p>
             <a:fld id="{5169B0FF-CDA1-4BA2-882E-918BF983E683}" type="datetimeFigureOut">
               <a:rPr lang="en-US" smtClean="0"/>
-              <a:t>11/6/2023</a:t>
+              <a:t>1/22/2024</a:t>
             </a:fld>
             <a:endParaRPr lang="en-US"/>
           </a:p>
@@ -2355,7 +2355,7 @@
           <a:p>
             <a:fld id="{5169B0FF-CDA1-4BA2-882E-918BF983E683}" type="datetimeFigureOut">
               <a:rPr lang="en-US" smtClean="0"/>
-              <a:t>11/6/2023</a:t>
+              <a:t>1/22/2024</a:t>
             </a:fld>
             <a:endParaRPr lang="en-US"/>
           </a:p>
@@ -2568,7 +2568,7 @@
           <a:p>
             <a:fld id="{5169B0FF-CDA1-4BA2-882E-918BF983E683}" type="datetimeFigureOut">
               <a:rPr lang="en-US" smtClean="0"/>
-              <a:t>11/6/2023</a:t>
+              <a:t>1/22/2024</a:t>
             </a:fld>
             <a:endParaRPr lang="en-US"/>
           </a:p>
@@ -3009,6 +3009,7 @@
           </p:nvPicPr>
           <p:blipFill rotWithShape="1">
             <a:blip r:embed="rId2" cstate="print">
+              <a:alphaModFix amt="50000"/>
               <a:extLst>
                 <a:ext uri="{28A0092B-C50C-407E-A947-70E740481C1C}">
                   <a14:useLocalDpi xmlns:a14="http://schemas.microsoft.com/office/drawing/2010/main" val="0"/>

--- a/boards/openmv-cam/v5/cam-v5-pinout.pptx
+++ b/boards/openmv-cam/v5/cam-v5-pinout.pptx
@@ -243,7 +243,7 @@
           <a:p>
             <a:fld id="{5169B0FF-CDA1-4BA2-882E-918BF983E683}" type="datetimeFigureOut">
               <a:rPr lang="en-US" smtClean="0"/>
-              <a:t>1/22/2024</a:t>
+              <a:t>1/9/2026</a:t>
             </a:fld>
             <a:endParaRPr lang="en-US"/>
           </a:p>
@@ -413,7 +413,7 @@
           <a:p>
             <a:fld id="{5169B0FF-CDA1-4BA2-882E-918BF983E683}" type="datetimeFigureOut">
               <a:rPr lang="en-US" smtClean="0"/>
-              <a:t>1/22/2024</a:t>
+              <a:t>1/9/2026</a:t>
             </a:fld>
             <a:endParaRPr lang="en-US"/>
           </a:p>
@@ -593,7 +593,7 @@
           <a:p>
             <a:fld id="{5169B0FF-CDA1-4BA2-882E-918BF983E683}" type="datetimeFigureOut">
               <a:rPr lang="en-US" smtClean="0"/>
-              <a:t>1/22/2024</a:t>
+              <a:t>1/9/2026</a:t>
             </a:fld>
             <a:endParaRPr lang="en-US"/>
           </a:p>
@@ -763,7 +763,7 @@
           <a:p>
             <a:fld id="{5169B0FF-CDA1-4BA2-882E-918BF983E683}" type="datetimeFigureOut">
               <a:rPr lang="en-US" smtClean="0"/>
-              <a:t>1/22/2024</a:t>
+              <a:t>1/9/2026</a:t>
             </a:fld>
             <a:endParaRPr lang="en-US"/>
           </a:p>
@@ -1009,7 +1009,7 @@
           <a:p>
             <a:fld id="{5169B0FF-CDA1-4BA2-882E-918BF983E683}" type="datetimeFigureOut">
               <a:rPr lang="en-US" smtClean="0"/>
-              <a:t>1/22/2024</a:t>
+              <a:t>1/9/2026</a:t>
             </a:fld>
             <a:endParaRPr lang="en-US"/>
           </a:p>
@@ -1241,7 +1241,7 @@
           <a:p>
             <a:fld id="{5169B0FF-CDA1-4BA2-882E-918BF983E683}" type="datetimeFigureOut">
               <a:rPr lang="en-US" smtClean="0"/>
-              <a:t>1/22/2024</a:t>
+              <a:t>1/9/2026</a:t>
             </a:fld>
             <a:endParaRPr lang="en-US"/>
           </a:p>
@@ -1608,7 +1608,7 @@
           <a:p>
             <a:fld id="{5169B0FF-CDA1-4BA2-882E-918BF983E683}" type="datetimeFigureOut">
               <a:rPr lang="en-US" smtClean="0"/>
-              <a:t>1/22/2024</a:t>
+              <a:t>1/9/2026</a:t>
             </a:fld>
             <a:endParaRPr lang="en-US"/>
           </a:p>
@@ -1726,7 +1726,7 @@
           <a:p>
             <a:fld id="{5169B0FF-CDA1-4BA2-882E-918BF983E683}" type="datetimeFigureOut">
               <a:rPr lang="en-US" smtClean="0"/>
-              <a:t>1/22/2024</a:t>
+              <a:t>1/9/2026</a:t>
             </a:fld>
             <a:endParaRPr lang="en-US"/>
           </a:p>
@@ -1821,7 +1821,7 @@
           <a:p>
             <a:fld id="{5169B0FF-CDA1-4BA2-882E-918BF983E683}" type="datetimeFigureOut">
               <a:rPr lang="en-US" smtClean="0"/>
-              <a:t>1/22/2024</a:t>
+              <a:t>1/9/2026</a:t>
             </a:fld>
             <a:endParaRPr lang="en-US"/>
           </a:p>
@@ -2098,7 +2098,7 @@
           <a:p>
             <a:fld id="{5169B0FF-CDA1-4BA2-882E-918BF983E683}" type="datetimeFigureOut">
               <a:rPr lang="en-US" smtClean="0"/>
-              <a:t>1/22/2024</a:t>
+              <a:t>1/9/2026</a:t>
             </a:fld>
             <a:endParaRPr lang="en-US"/>
           </a:p>
@@ -2355,7 +2355,7 @@
           <a:p>
             <a:fld id="{5169B0FF-CDA1-4BA2-882E-918BF983E683}" type="datetimeFigureOut">
               <a:rPr lang="en-US" smtClean="0"/>
-              <a:t>1/22/2024</a:t>
+              <a:t>1/9/2026</a:t>
             </a:fld>
             <a:endParaRPr lang="en-US"/>
           </a:p>
@@ -2568,7 +2568,7 @@
           <a:p>
             <a:fld id="{5169B0FF-CDA1-4BA2-882E-918BF983E683}" type="datetimeFigureOut">
               <a:rPr lang="en-US" smtClean="0"/>
-              <a:t>1/22/2024</a:t>
+              <a:t>1/9/2026</a:t>
             </a:fld>
             <a:endParaRPr lang="en-US"/>
           </a:p>
@@ -4109,7 +4109,7 @@
               <a:pPr algn="ctr"/>
               <a:r>
                 <a:rPr lang="en-US" sz="1200" dirty="0"/>
-                <a:t>VIN (3.6V - 5V)</a:t>
+                <a:t>VIN (4.7V – 5.7V)</a:t>
               </a:r>
             </a:p>
           </p:txBody>
